--- a/ppt 16-9/1452.耶稣在你家.pptx
+++ b/ppt 16-9/1452.耶稣在你家.pptx
@@ -129,7 +129,7 @@
           <p:cNvPr id="2" name="标题 1">
             <a:extLst>
               <a:ext uri="{FF2B5EF4-FFF2-40B4-BE49-F238E27FC236}">
-                <a16:creationId xmlns:a16="http://schemas.microsoft.com/office/drawing/2014/main" id="{7754DA5B-4457-3362-5501-A219104A3977}"/>
+                <a16:creationId xmlns:a16="http://schemas.microsoft.com/office/drawing/2014/main" id="{FBB044F6-D5CE-433D-08CC-7170B5AEE023}"/>
               </a:ext>
             </a:extLst>
           </p:cNvPr>
@@ -166,7 +166,7 @@
           <p:cNvPr id="3" name="副标题 2">
             <a:extLst>
               <a:ext uri="{FF2B5EF4-FFF2-40B4-BE49-F238E27FC236}">
-                <a16:creationId xmlns:a16="http://schemas.microsoft.com/office/drawing/2014/main" id="{1195B1D7-184C-DFDA-E1BE-EE83D2853D3C}"/>
+                <a16:creationId xmlns:a16="http://schemas.microsoft.com/office/drawing/2014/main" id="{ACB56555-24AC-8CC7-BAE6-B2B2A35E91B5}"/>
               </a:ext>
             </a:extLst>
           </p:cNvPr>
@@ -236,7 +236,7 @@
           <p:cNvPr id="4" name="日期占位符 3">
             <a:extLst>
               <a:ext uri="{FF2B5EF4-FFF2-40B4-BE49-F238E27FC236}">
-                <a16:creationId xmlns:a16="http://schemas.microsoft.com/office/drawing/2014/main" id="{14DFD3A3-25EE-1301-1D30-8840632251D4}"/>
+                <a16:creationId xmlns:a16="http://schemas.microsoft.com/office/drawing/2014/main" id="{D9EE2823-9387-051B-656F-84C04EF03481}"/>
               </a:ext>
             </a:extLst>
           </p:cNvPr>
@@ -252,7 +252,7 @@
           <a:bodyPr/>
           <a:lstStyle/>
           <a:p>
-            <a:fld id="{035D07F4-3D78-4C3C-919F-4CC0CAA98CC6}" type="datetimeFigureOut">
+            <a:fld id="{F8F07A15-14B4-433C-B639-26E9113354D9}" type="datetimeFigureOut">
               <a:rPr lang="zh-CN" altLang="en-US" smtClean="0"/>
               <a:t>2024/3/10</a:t>
             </a:fld>
@@ -265,7 +265,7 @@
           <p:cNvPr id="5" name="页脚占位符 4">
             <a:extLst>
               <a:ext uri="{FF2B5EF4-FFF2-40B4-BE49-F238E27FC236}">
-                <a16:creationId xmlns:a16="http://schemas.microsoft.com/office/drawing/2014/main" id="{2EDB2AF9-1FD7-D0D7-961D-2D6963539B0A}"/>
+                <a16:creationId xmlns:a16="http://schemas.microsoft.com/office/drawing/2014/main" id="{9834A8C6-63B9-136B-457B-E2D405FA0F55}"/>
               </a:ext>
             </a:extLst>
           </p:cNvPr>
@@ -290,7 +290,7 @@
           <p:cNvPr id="6" name="灯片编号占位符 5">
             <a:extLst>
               <a:ext uri="{FF2B5EF4-FFF2-40B4-BE49-F238E27FC236}">
-                <a16:creationId xmlns:a16="http://schemas.microsoft.com/office/drawing/2014/main" id="{C02CC314-E776-FAA9-C285-EE6E4D4355D9}"/>
+                <a16:creationId xmlns:a16="http://schemas.microsoft.com/office/drawing/2014/main" id="{03C36C99-FAF4-2809-06E4-7D0CADC2EDD4}"/>
               </a:ext>
             </a:extLst>
           </p:cNvPr>
@@ -306,7 +306,7 @@
           <a:bodyPr/>
           <a:lstStyle/>
           <a:p>
-            <a:fld id="{95AB3159-02FF-4B98-91ED-A95E26592126}" type="slidenum">
+            <a:fld id="{08DB6517-5B78-410C-85A5-A35BC140E273}" type="slidenum">
               <a:rPr lang="zh-CN" altLang="en-US" smtClean="0"/>
               <a:t>‹#›</a:t>
             </a:fld>
@@ -317,7 +317,7 @@
     </p:spTree>
     <p:extLst>
       <p:ext uri="{BB962C8B-B14F-4D97-AF65-F5344CB8AC3E}">
-        <p14:creationId xmlns:p14="http://schemas.microsoft.com/office/powerpoint/2010/main" val="4166642699"/>
+        <p14:creationId xmlns:p14="http://schemas.microsoft.com/office/powerpoint/2010/main" val="3582473387"/>
       </p:ext>
     </p:extLst>
   </p:cSld>
@@ -349,7 +349,7 @@
           <p:cNvPr id="2" name="标题 1">
             <a:extLst>
               <a:ext uri="{FF2B5EF4-FFF2-40B4-BE49-F238E27FC236}">
-                <a16:creationId xmlns:a16="http://schemas.microsoft.com/office/drawing/2014/main" id="{DD82B192-3D2C-1204-24B0-FC5F6BA5F660}"/>
+                <a16:creationId xmlns:a16="http://schemas.microsoft.com/office/drawing/2014/main" id="{9D748E32-43EF-C99B-C68F-7F1EDC8598DF}"/>
               </a:ext>
             </a:extLst>
           </p:cNvPr>
@@ -377,7 +377,7 @@
           <p:cNvPr id="3" name="竖排文字占位符 2">
             <a:extLst>
               <a:ext uri="{FF2B5EF4-FFF2-40B4-BE49-F238E27FC236}">
-                <a16:creationId xmlns:a16="http://schemas.microsoft.com/office/drawing/2014/main" id="{1EEC9547-595D-BBD6-246D-F525E23B2152}"/>
+                <a16:creationId xmlns:a16="http://schemas.microsoft.com/office/drawing/2014/main" id="{CC29A276-E915-CD38-044A-52DC4E8806F3}"/>
               </a:ext>
             </a:extLst>
           </p:cNvPr>
@@ -434,7 +434,7 @@
           <p:cNvPr id="4" name="日期占位符 3">
             <a:extLst>
               <a:ext uri="{FF2B5EF4-FFF2-40B4-BE49-F238E27FC236}">
-                <a16:creationId xmlns:a16="http://schemas.microsoft.com/office/drawing/2014/main" id="{7E0471B5-ED76-B38C-906F-1035D773F767}"/>
+                <a16:creationId xmlns:a16="http://schemas.microsoft.com/office/drawing/2014/main" id="{431E5C07-EA72-4185-7B45-8682F4D02ED4}"/>
               </a:ext>
             </a:extLst>
           </p:cNvPr>
@@ -450,7 +450,7 @@
           <a:bodyPr/>
           <a:lstStyle/>
           <a:p>
-            <a:fld id="{035D07F4-3D78-4C3C-919F-4CC0CAA98CC6}" type="datetimeFigureOut">
+            <a:fld id="{F8F07A15-14B4-433C-B639-26E9113354D9}" type="datetimeFigureOut">
               <a:rPr lang="zh-CN" altLang="en-US" smtClean="0"/>
               <a:t>2024/3/10</a:t>
             </a:fld>
@@ -463,7 +463,7 @@
           <p:cNvPr id="5" name="页脚占位符 4">
             <a:extLst>
               <a:ext uri="{FF2B5EF4-FFF2-40B4-BE49-F238E27FC236}">
-                <a16:creationId xmlns:a16="http://schemas.microsoft.com/office/drawing/2014/main" id="{9C89A0D2-FD7F-D01E-EDEA-0793003E0C0B}"/>
+                <a16:creationId xmlns:a16="http://schemas.microsoft.com/office/drawing/2014/main" id="{A6F6B6B3-8380-B8C9-B529-3A2990DCFC86}"/>
               </a:ext>
             </a:extLst>
           </p:cNvPr>
@@ -488,7 +488,7 @@
           <p:cNvPr id="6" name="灯片编号占位符 5">
             <a:extLst>
               <a:ext uri="{FF2B5EF4-FFF2-40B4-BE49-F238E27FC236}">
-                <a16:creationId xmlns:a16="http://schemas.microsoft.com/office/drawing/2014/main" id="{AC83CE1C-21BA-A3EC-9D12-0F96C2FED2C4}"/>
+                <a16:creationId xmlns:a16="http://schemas.microsoft.com/office/drawing/2014/main" id="{E39FFC18-4371-3DC1-FC55-C35151189413}"/>
               </a:ext>
             </a:extLst>
           </p:cNvPr>
@@ -504,7 +504,7 @@
           <a:bodyPr/>
           <a:lstStyle/>
           <a:p>
-            <a:fld id="{95AB3159-02FF-4B98-91ED-A95E26592126}" type="slidenum">
+            <a:fld id="{08DB6517-5B78-410C-85A5-A35BC140E273}" type="slidenum">
               <a:rPr lang="zh-CN" altLang="en-US" smtClean="0"/>
               <a:t>‹#›</a:t>
             </a:fld>
@@ -515,7 +515,7 @@
     </p:spTree>
     <p:extLst>
       <p:ext uri="{BB962C8B-B14F-4D97-AF65-F5344CB8AC3E}">
-        <p14:creationId xmlns:p14="http://schemas.microsoft.com/office/powerpoint/2010/main" val="572138144"/>
+        <p14:creationId xmlns:p14="http://schemas.microsoft.com/office/powerpoint/2010/main" val="2520974875"/>
       </p:ext>
     </p:extLst>
   </p:cSld>
@@ -547,7 +547,7 @@
           <p:cNvPr id="2" name="竖排标题 1">
             <a:extLst>
               <a:ext uri="{FF2B5EF4-FFF2-40B4-BE49-F238E27FC236}">
-                <a16:creationId xmlns:a16="http://schemas.microsoft.com/office/drawing/2014/main" id="{D3AF30FC-38CF-B93F-4458-B83FA946BD16}"/>
+                <a16:creationId xmlns:a16="http://schemas.microsoft.com/office/drawing/2014/main" id="{9C9846CE-4332-7029-BFAB-03B8A79A7DD4}"/>
               </a:ext>
             </a:extLst>
           </p:cNvPr>
@@ -580,7 +580,7 @@
           <p:cNvPr id="3" name="竖排文字占位符 2">
             <a:extLst>
               <a:ext uri="{FF2B5EF4-FFF2-40B4-BE49-F238E27FC236}">
-                <a16:creationId xmlns:a16="http://schemas.microsoft.com/office/drawing/2014/main" id="{257FA140-700D-7A41-76D9-40AAFC6CB23C}"/>
+                <a16:creationId xmlns:a16="http://schemas.microsoft.com/office/drawing/2014/main" id="{E99642E1-D94B-FC28-E61D-141A88416913}"/>
               </a:ext>
             </a:extLst>
           </p:cNvPr>
@@ -642,7 +642,7 @@
           <p:cNvPr id="4" name="日期占位符 3">
             <a:extLst>
               <a:ext uri="{FF2B5EF4-FFF2-40B4-BE49-F238E27FC236}">
-                <a16:creationId xmlns:a16="http://schemas.microsoft.com/office/drawing/2014/main" id="{06D46032-FE71-F712-015C-62BD01B07DF6}"/>
+                <a16:creationId xmlns:a16="http://schemas.microsoft.com/office/drawing/2014/main" id="{8AA27FDE-92D0-B0AA-A55A-7576C95C06AD}"/>
               </a:ext>
             </a:extLst>
           </p:cNvPr>
@@ -658,7 +658,7 @@
           <a:bodyPr/>
           <a:lstStyle/>
           <a:p>
-            <a:fld id="{035D07F4-3D78-4C3C-919F-4CC0CAA98CC6}" type="datetimeFigureOut">
+            <a:fld id="{F8F07A15-14B4-433C-B639-26E9113354D9}" type="datetimeFigureOut">
               <a:rPr lang="zh-CN" altLang="en-US" smtClean="0"/>
               <a:t>2024/3/10</a:t>
             </a:fld>
@@ -671,7 +671,7 @@
           <p:cNvPr id="5" name="页脚占位符 4">
             <a:extLst>
               <a:ext uri="{FF2B5EF4-FFF2-40B4-BE49-F238E27FC236}">
-                <a16:creationId xmlns:a16="http://schemas.microsoft.com/office/drawing/2014/main" id="{307A3458-BA7A-3EE6-9426-27F5D3454DA5}"/>
+                <a16:creationId xmlns:a16="http://schemas.microsoft.com/office/drawing/2014/main" id="{AB936988-27CA-A543-50EF-4C40844487C7}"/>
               </a:ext>
             </a:extLst>
           </p:cNvPr>
@@ -696,7 +696,7 @@
           <p:cNvPr id="6" name="灯片编号占位符 5">
             <a:extLst>
               <a:ext uri="{FF2B5EF4-FFF2-40B4-BE49-F238E27FC236}">
-                <a16:creationId xmlns:a16="http://schemas.microsoft.com/office/drawing/2014/main" id="{92AAB1E9-77AD-A6FD-76FE-7F481431D2CF}"/>
+                <a16:creationId xmlns:a16="http://schemas.microsoft.com/office/drawing/2014/main" id="{36168AC7-230E-95A6-3A33-C6DE4DACA63F}"/>
               </a:ext>
             </a:extLst>
           </p:cNvPr>
@@ -712,7 +712,7 @@
           <a:bodyPr/>
           <a:lstStyle/>
           <a:p>
-            <a:fld id="{95AB3159-02FF-4B98-91ED-A95E26592126}" type="slidenum">
+            <a:fld id="{08DB6517-5B78-410C-85A5-A35BC140E273}" type="slidenum">
               <a:rPr lang="zh-CN" altLang="en-US" smtClean="0"/>
               <a:t>‹#›</a:t>
             </a:fld>
@@ -723,7 +723,7 @@
     </p:spTree>
     <p:extLst>
       <p:ext uri="{BB962C8B-B14F-4D97-AF65-F5344CB8AC3E}">
-        <p14:creationId xmlns:p14="http://schemas.microsoft.com/office/powerpoint/2010/main" val="3194590345"/>
+        <p14:creationId xmlns:p14="http://schemas.microsoft.com/office/powerpoint/2010/main" val="3678991742"/>
       </p:ext>
     </p:extLst>
   </p:cSld>
@@ -755,7 +755,7 @@
           <p:cNvPr id="2" name="标题 1">
             <a:extLst>
               <a:ext uri="{FF2B5EF4-FFF2-40B4-BE49-F238E27FC236}">
-                <a16:creationId xmlns:a16="http://schemas.microsoft.com/office/drawing/2014/main" id="{B6B08771-D0D4-3799-D470-F627CDE0B03F}"/>
+                <a16:creationId xmlns:a16="http://schemas.microsoft.com/office/drawing/2014/main" id="{6603CB5F-05D9-9EA5-A537-9897E219B3B0}"/>
               </a:ext>
             </a:extLst>
           </p:cNvPr>
@@ -783,7 +783,7 @@
           <p:cNvPr id="3" name="内容占位符 2">
             <a:extLst>
               <a:ext uri="{FF2B5EF4-FFF2-40B4-BE49-F238E27FC236}">
-                <a16:creationId xmlns:a16="http://schemas.microsoft.com/office/drawing/2014/main" id="{6620004D-AF8A-FF82-907C-FE587CA70BEE}"/>
+                <a16:creationId xmlns:a16="http://schemas.microsoft.com/office/drawing/2014/main" id="{1315B1DC-C652-7085-7123-03B39364348C}"/>
               </a:ext>
             </a:extLst>
           </p:cNvPr>
@@ -840,7 +840,7 @@
           <p:cNvPr id="4" name="日期占位符 3">
             <a:extLst>
               <a:ext uri="{FF2B5EF4-FFF2-40B4-BE49-F238E27FC236}">
-                <a16:creationId xmlns:a16="http://schemas.microsoft.com/office/drawing/2014/main" id="{229557FA-CF20-3D53-17FA-0428F8FF402D}"/>
+                <a16:creationId xmlns:a16="http://schemas.microsoft.com/office/drawing/2014/main" id="{6898E338-C0A4-9F54-7C15-BE434C06ECCD}"/>
               </a:ext>
             </a:extLst>
           </p:cNvPr>
@@ -856,7 +856,7 @@
           <a:bodyPr/>
           <a:lstStyle/>
           <a:p>
-            <a:fld id="{035D07F4-3D78-4C3C-919F-4CC0CAA98CC6}" type="datetimeFigureOut">
+            <a:fld id="{F8F07A15-14B4-433C-B639-26E9113354D9}" type="datetimeFigureOut">
               <a:rPr lang="zh-CN" altLang="en-US" smtClean="0"/>
               <a:t>2024/3/10</a:t>
             </a:fld>
@@ -869,7 +869,7 @@
           <p:cNvPr id="5" name="页脚占位符 4">
             <a:extLst>
               <a:ext uri="{FF2B5EF4-FFF2-40B4-BE49-F238E27FC236}">
-                <a16:creationId xmlns:a16="http://schemas.microsoft.com/office/drawing/2014/main" id="{75503595-3B44-4E58-DED2-1A38B4426F11}"/>
+                <a16:creationId xmlns:a16="http://schemas.microsoft.com/office/drawing/2014/main" id="{00200F8F-6C6F-E78A-CCC2-E5F589ECB855}"/>
               </a:ext>
             </a:extLst>
           </p:cNvPr>
@@ -894,7 +894,7 @@
           <p:cNvPr id="6" name="灯片编号占位符 5">
             <a:extLst>
               <a:ext uri="{FF2B5EF4-FFF2-40B4-BE49-F238E27FC236}">
-                <a16:creationId xmlns:a16="http://schemas.microsoft.com/office/drawing/2014/main" id="{75D36784-8A5C-5D41-55AF-C95A7927ED10}"/>
+                <a16:creationId xmlns:a16="http://schemas.microsoft.com/office/drawing/2014/main" id="{055FD187-DF3D-290E-9FEE-5CDE835A528A}"/>
               </a:ext>
             </a:extLst>
           </p:cNvPr>
@@ -910,7 +910,7 @@
           <a:bodyPr/>
           <a:lstStyle/>
           <a:p>
-            <a:fld id="{95AB3159-02FF-4B98-91ED-A95E26592126}" type="slidenum">
+            <a:fld id="{08DB6517-5B78-410C-85A5-A35BC140E273}" type="slidenum">
               <a:rPr lang="zh-CN" altLang="en-US" smtClean="0"/>
               <a:t>‹#›</a:t>
             </a:fld>
@@ -921,7 +921,7 @@
     </p:spTree>
     <p:extLst>
       <p:ext uri="{BB962C8B-B14F-4D97-AF65-F5344CB8AC3E}">
-        <p14:creationId xmlns:p14="http://schemas.microsoft.com/office/powerpoint/2010/main" val="2958299510"/>
+        <p14:creationId xmlns:p14="http://schemas.microsoft.com/office/powerpoint/2010/main" val="4257676310"/>
       </p:ext>
     </p:extLst>
   </p:cSld>
@@ -953,7 +953,7 @@
           <p:cNvPr id="2" name="标题 1">
             <a:extLst>
               <a:ext uri="{FF2B5EF4-FFF2-40B4-BE49-F238E27FC236}">
-                <a16:creationId xmlns:a16="http://schemas.microsoft.com/office/drawing/2014/main" id="{CEC961DC-2DA9-969E-4CCD-52A397566846}"/>
+                <a16:creationId xmlns:a16="http://schemas.microsoft.com/office/drawing/2014/main" id="{22B80050-EDDD-8D79-D885-2FFCEAA96069}"/>
               </a:ext>
             </a:extLst>
           </p:cNvPr>
@@ -990,7 +990,7 @@
           <p:cNvPr id="3" name="文本占位符 2">
             <a:extLst>
               <a:ext uri="{FF2B5EF4-FFF2-40B4-BE49-F238E27FC236}">
-                <a16:creationId xmlns:a16="http://schemas.microsoft.com/office/drawing/2014/main" id="{826151A7-E141-35DA-CBE7-D57DFFD1AFE8}"/>
+                <a16:creationId xmlns:a16="http://schemas.microsoft.com/office/drawing/2014/main" id="{83BAA607-1C47-AE67-E5AE-33B6A044E744}"/>
               </a:ext>
             </a:extLst>
           </p:cNvPr>
@@ -1115,7 +1115,7 @@
           <p:cNvPr id="4" name="日期占位符 3">
             <a:extLst>
               <a:ext uri="{FF2B5EF4-FFF2-40B4-BE49-F238E27FC236}">
-                <a16:creationId xmlns:a16="http://schemas.microsoft.com/office/drawing/2014/main" id="{539660BF-917A-5080-DA8B-154BEFEFC069}"/>
+                <a16:creationId xmlns:a16="http://schemas.microsoft.com/office/drawing/2014/main" id="{6B12F58E-DCD1-87C7-E1C8-4EF0C51107D1}"/>
               </a:ext>
             </a:extLst>
           </p:cNvPr>
@@ -1131,7 +1131,7 @@
           <a:bodyPr/>
           <a:lstStyle/>
           <a:p>
-            <a:fld id="{035D07F4-3D78-4C3C-919F-4CC0CAA98CC6}" type="datetimeFigureOut">
+            <a:fld id="{F8F07A15-14B4-433C-B639-26E9113354D9}" type="datetimeFigureOut">
               <a:rPr lang="zh-CN" altLang="en-US" smtClean="0"/>
               <a:t>2024/3/10</a:t>
             </a:fld>
@@ -1144,7 +1144,7 @@
           <p:cNvPr id="5" name="页脚占位符 4">
             <a:extLst>
               <a:ext uri="{FF2B5EF4-FFF2-40B4-BE49-F238E27FC236}">
-                <a16:creationId xmlns:a16="http://schemas.microsoft.com/office/drawing/2014/main" id="{988C2CD7-8C72-4996-A57E-81267204E92A}"/>
+                <a16:creationId xmlns:a16="http://schemas.microsoft.com/office/drawing/2014/main" id="{4BC6AE07-EB8C-9FC0-6BBF-FC233AD2567D}"/>
               </a:ext>
             </a:extLst>
           </p:cNvPr>
@@ -1169,7 +1169,7 @@
           <p:cNvPr id="6" name="灯片编号占位符 5">
             <a:extLst>
               <a:ext uri="{FF2B5EF4-FFF2-40B4-BE49-F238E27FC236}">
-                <a16:creationId xmlns:a16="http://schemas.microsoft.com/office/drawing/2014/main" id="{9363BBF0-FAC0-CFEA-476A-F043C45AA20B}"/>
+                <a16:creationId xmlns:a16="http://schemas.microsoft.com/office/drawing/2014/main" id="{284EA969-5BF2-137E-5DB6-9BCF841B2D92}"/>
               </a:ext>
             </a:extLst>
           </p:cNvPr>
@@ -1185,7 +1185,7 @@
           <a:bodyPr/>
           <a:lstStyle/>
           <a:p>
-            <a:fld id="{95AB3159-02FF-4B98-91ED-A95E26592126}" type="slidenum">
+            <a:fld id="{08DB6517-5B78-410C-85A5-A35BC140E273}" type="slidenum">
               <a:rPr lang="zh-CN" altLang="en-US" smtClean="0"/>
               <a:t>‹#›</a:t>
             </a:fld>
@@ -1196,7 +1196,7 @@
     </p:spTree>
     <p:extLst>
       <p:ext uri="{BB962C8B-B14F-4D97-AF65-F5344CB8AC3E}">
-        <p14:creationId xmlns:p14="http://schemas.microsoft.com/office/powerpoint/2010/main" val="4174640853"/>
+        <p14:creationId xmlns:p14="http://schemas.microsoft.com/office/powerpoint/2010/main" val="304916483"/>
       </p:ext>
     </p:extLst>
   </p:cSld>
@@ -1228,7 +1228,7 @@
           <p:cNvPr id="2" name="标题 1">
             <a:extLst>
               <a:ext uri="{FF2B5EF4-FFF2-40B4-BE49-F238E27FC236}">
-                <a16:creationId xmlns:a16="http://schemas.microsoft.com/office/drawing/2014/main" id="{813A19C6-72BC-6FB8-8ED0-00B4BAB3F797}"/>
+                <a16:creationId xmlns:a16="http://schemas.microsoft.com/office/drawing/2014/main" id="{FD37D2DB-F898-E613-F970-37714446B6FE}"/>
               </a:ext>
             </a:extLst>
           </p:cNvPr>
@@ -1256,7 +1256,7 @@
           <p:cNvPr id="3" name="内容占位符 2">
             <a:extLst>
               <a:ext uri="{FF2B5EF4-FFF2-40B4-BE49-F238E27FC236}">
-                <a16:creationId xmlns:a16="http://schemas.microsoft.com/office/drawing/2014/main" id="{F5A285D7-9A1E-2FC8-19FF-963B706BCBD4}"/>
+                <a16:creationId xmlns:a16="http://schemas.microsoft.com/office/drawing/2014/main" id="{753C2C40-7832-2941-391C-EF1B12F73A9F}"/>
               </a:ext>
             </a:extLst>
           </p:cNvPr>
@@ -1318,7 +1318,7 @@
           <p:cNvPr id="4" name="内容占位符 3">
             <a:extLst>
               <a:ext uri="{FF2B5EF4-FFF2-40B4-BE49-F238E27FC236}">
-                <a16:creationId xmlns:a16="http://schemas.microsoft.com/office/drawing/2014/main" id="{F128F483-3800-1944-2C71-6B060F94AF32}"/>
+                <a16:creationId xmlns:a16="http://schemas.microsoft.com/office/drawing/2014/main" id="{79808EF1-A4E9-B362-2EB4-47AA4E884931}"/>
               </a:ext>
             </a:extLst>
           </p:cNvPr>
@@ -1380,7 +1380,7 @@
           <p:cNvPr id="5" name="日期占位符 4">
             <a:extLst>
               <a:ext uri="{FF2B5EF4-FFF2-40B4-BE49-F238E27FC236}">
-                <a16:creationId xmlns:a16="http://schemas.microsoft.com/office/drawing/2014/main" id="{6D294733-C569-705E-E243-8D045D8DFC57}"/>
+                <a16:creationId xmlns:a16="http://schemas.microsoft.com/office/drawing/2014/main" id="{88143A80-7D51-4853-0349-36DB30DA83C2}"/>
               </a:ext>
             </a:extLst>
           </p:cNvPr>
@@ -1396,7 +1396,7 @@
           <a:bodyPr/>
           <a:lstStyle/>
           <a:p>
-            <a:fld id="{035D07F4-3D78-4C3C-919F-4CC0CAA98CC6}" type="datetimeFigureOut">
+            <a:fld id="{F8F07A15-14B4-433C-B639-26E9113354D9}" type="datetimeFigureOut">
               <a:rPr lang="zh-CN" altLang="en-US" smtClean="0"/>
               <a:t>2024/3/10</a:t>
             </a:fld>
@@ -1409,7 +1409,7 @@
           <p:cNvPr id="6" name="页脚占位符 5">
             <a:extLst>
               <a:ext uri="{FF2B5EF4-FFF2-40B4-BE49-F238E27FC236}">
-                <a16:creationId xmlns:a16="http://schemas.microsoft.com/office/drawing/2014/main" id="{FE45DEAF-4FDC-04AA-B968-7A40ED6A5B88}"/>
+                <a16:creationId xmlns:a16="http://schemas.microsoft.com/office/drawing/2014/main" id="{2F946EB1-7391-8DDC-0D18-FD017BEDD5D8}"/>
               </a:ext>
             </a:extLst>
           </p:cNvPr>
@@ -1434,7 +1434,7 @@
           <p:cNvPr id="7" name="灯片编号占位符 6">
             <a:extLst>
               <a:ext uri="{FF2B5EF4-FFF2-40B4-BE49-F238E27FC236}">
-                <a16:creationId xmlns:a16="http://schemas.microsoft.com/office/drawing/2014/main" id="{B8C1AD00-6EE3-A01A-BCA9-F2C101BEC30F}"/>
+                <a16:creationId xmlns:a16="http://schemas.microsoft.com/office/drawing/2014/main" id="{018F9706-2FD2-2DA8-5790-9944148E3EC6}"/>
               </a:ext>
             </a:extLst>
           </p:cNvPr>
@@ -1450,7 +1450,7 @@
           <a:bodyPr/>
           <a:lstStyle/>
           <a:p>
-            <a:fld id="{95AB3159-02FF-4B98-91ED-A95E26592126}" type="slidenum">
+            <a:fld id="{08DB6517-5B78-410C-85A5-A35BC140E273}" type="slidenum">
               <a:rPr lang="zh-CN" altLang="en-US" smtClean="0"/>
               <a:t>‹#›</a:t>
             </a:fld>
@@ -1461,7 +1461,7 @@
     </p:spTree>
     <p:extLst>
       <p:ext uri="{BB962C8B-B14F-4D97-AF65-F5344CB8AC3E}">
-        <p14:creationId xmlns:p14="http://schemas.microsoft.com/office/powerpoint/2010/main" val="1020024990"/>
+        <p14:creationId xmlns:p14="http://schemas.microsoft.com/office/powerpoint/2010/main" val="3577658554"/>
       </p:ext>
     </p:extLst>
   </p:cSld>
@@ -1493,7 +1493,7 @@
           <p:cNvPr id="2" name="标题 1">
             <a:extLst>
               <a:ext uri="{FF2B5EF4-FFF2-40B4-BE49-F238E27FC236}">
-                <a16:creationId xmlns:a16="http://schemas.microsoft.com/office/drawing/2014/main" id="{E38DCA15-A0BC-2CAB-0EC1-6C02231F3DAB}"/>
+                <a16:creationId xmlns:a16="http://schemas.microsoft.com/office/drawing/2014/main" id="{2AB0125B-572A-9487-C0A2-62D4A78D44C6}"/>
               </a:ext>
             </a:extLst>
           </p:cNvPr>
@@ -1526,7 +1526,7 @@
           <p:cNvPr id="3" name="文本占位符 2">
             <a:extLst>
               <a:ext uri="{FF2B5EF4-FFF2-40B4-BE49-F238E27FC236}">
-                <a16:creationId xmlns:a16="http://schemas.microsoft.com/office/drawing/2014/main" id="{59037982-F3B5-E46D-C001-A151B26A578D}"/>
+                <a16:creationId xmlns:a16="http://schemas.microsoft.com/office/drawing/2014/main" id="{E7B1190E-8766-E875-0FE4-DF49FBDAEC57}"/>
               </a:ext>
             </a:extLst>
           </p:cNvPr>
@@ -1597,7 +1597,7 @@
           <p:cNvPr id="4" name="内容占位符 3">
             <a:extLst>
               <a:ext uri="{FF2B5EF4-FFF2-40B4-BE49-F238E27FC236}">
-                <a16:creationId xmlns:a16="http://schemas.microsoft.com/office/drawing/2014/main" id="{F8B41973-5AE7-B763-43CA-7665A39DF4CC}"/>
+                <a16:creationId xmlns:a16="http://schemas.microsoft.com/office/drawing/2014/main" id="{AFD10D98-70E4-ADB2-7CDF-5CBB16693C89}"/>
               </a:ext>
             </a:extLst>
           </p:cNvPr>
@@ -1659,7 +1659,7 @@
           <p:cNvPr id="5" name="文本占位符 4">
             <a:extLst>
               <a:ext uri="{FF2B5EF4-FFF2-40B4-BE49-F238E27FC236}">
-                <a16:creationId xmlns:a16="http://schemas.microsoft.com/office/drawing/2014/main" id="{548C56F6-C68D-1EFB-74BD-57275C8A72C9}"/>
+                <a16:creationId xmlns:a16="http://schemas.microsoft.com/office/drawing/2014/main" id="{95CD98B0-EBE3-A4EA-A87E-B18C3EAD3E28}"/>
               </a:ext>
             </a:extLst>
           </p:cNvPr>
@@ -1730,7 +1730,7 @@
           <p:cNvPr id="6" name="内容占位符 5">
             <a:extLst>
               <a:ext uri="{FF2B5EF4-FFF2-40B4-BE49-F238E27FC236}">
-                <a16:creationId xmlns:a16="http://schemas.microsoft.com/office/drawing/2014/main" id="{3E64E0C1-314E-ABB4-87D5-A4A2C8474585}"/>
+                <a16:creationId xmlns:a16="http://schemas.microsoft.com/office/drawing/2014/main" id="{4B1AD926-44F6-4CC2-48B6-E75349C3EBF0}"/>
               </a:ext>
             </a:extLst>
           </p:cNvPr>
@@ -1792,7 +1792,7 @@
           <p:cNvPr id="7" name="日期占位符 6">
             <a:extLst>
               <a:ext uri="{FF2B5EF4-FFF2-40B4-BE49-F238E27FC236}">
-                <a16:creationId xmlns:a16="http://schemas.microsoft.com/office/drawing/2014/main" id="{214A89EC-833E-CDCF-6409-D5BD971F77E3}"/>
+                <a16:creationId xmlns:a16="http://schemas.microsoft.com/office/drawing/2014/main" id="{A99D6E47-5A3F-E027-9860-F00435FD0013}"/>
               </a:ext>
             </a:extLst>
           </p:cNvPr>
@@ -1808,7 +1808,7 @@
           <a:bodyPr/>
           <a:lstStyle/>
           <a:p>
-            <a:fld id="{035D07F4-3D78-4C3C-919F-4CC0CAA98CC6}" type="datetimeFigureOut">
+            <a:fld id="{F8F07A15-14B4-433C-B639-26E9113354D9}" type="datetimeFigureOut">
               <a:rPr lang="zh-CN" altLang="en-US" smtClean="0"/>
               <a:t>2024/3/10</a:t>
             </a:fld>
@@ -1821,7 +1821,7 @@
           <p:cNvPr id="8" name="页脚占位符 7">
             <a:extLst>
               <a:ext uri="{FF2B5EF4-FFF2-40B4-BE49-F238E27FC236}">
-                <a16:creationId xmlns:a16="http://schemas.microsoft.com/office/drawing/2014/main" id="{A71BCC51-6F7A-11DC-2712-3122F9AEBA38}"/>
+                <a16:creationId xmlns:a16="http://schemas.microsoft.com/office/drawing/2014/main" id="{ACE1A7E6-E4AB-9B5D-8F30-724854000B50}"/>
               </a:ext>
             </a:extLst>
           </p:cNvPr>
@@ -1846,7 +1846,7 @@
           <p:cNvPr id="9" name="灯片编号占位符 8">
             <a:extLst>
               <a:ext uri="{FF2B5EF4-FFF2-40B4-BE49-F238E27FC236}">
-                <a16:creationId xmlns:a16="http://schemas.microsoft.com/office/drawing/2014/main" id="{735969D9-F001-98B5-0E1F-5C1197820F9A}"/>
+                <a16:creationId xmlns:a16="http://schemas.microsoft.com/office/drawing/2014/main" id="{935508D1-A9C5-D8B0-480B-B39C703F9F7B}"/>
               </a:ext>
             </a:extLst>
           </p:cNvPr>
@@ -1862,7 +1862,7 @@
           <a:bodyPr/>
           <a:lstStyle/>
           <a:p>
-            <a:fld id="{95AB3159-02FF-4B98-91ED-A95E26592126}" type="slidenum">
+            <a:fld id="{08DB6517-5B78-410C-85A5-A35BC140E273}" type="slidenum">
               <a:rPr lang="zh-CN" altLang="en-US" smtClean="0"/>
               <a:t>‹#›</a:t>
             </a:fld>
@@ -1873,7 +1873,7 @@
     </p:spTree>
     <p:extLst>
       <p:ext uri="{BB962C8B-B14F-4D97-AF65-F5344CB8AC3E}">
-        <p14:creationId xmlns:p14="http://schemas.microsoft.com/office/powerpoint/2010/main" val="4077976859"/>
+        <p14:creationId xmlns:p14="http://schemas.microsoft.com/office/powerpoint/2010/main" val="4195432281"/>
       </p:ext>
     </p:extLst>
   </p:cSld>
@@ -1905,7 +1905,7 @@
           <p:cNvPr id="2" name="标题 1">
             <a:extLst>
               <a:ext uri="{FF2B5EF4-FFF2-40B4-BE49-F238E27FC236}">
-                <a16:creationId xmlns:a16="http://schemas.microsoft.com/office/drawing/2014/main" id="{AF52A274-BBBC-0033-BAF5-B0BF1383D4E1}"/>
+                <a16:creationId xmlns:a16="http://schemas.microsoft.com/office/drawing/2014/main" id="{A7EBA2E3-6BA0-9FCB-DDB4-3B6871E58E04}"/>
               </a:ext>
             </a:extLst>
           </p:cNvPr>
@@ -1933,7 +1933,7 @@
           <p:cNvPr id="3" name="日期占位符 2">
             <a:extLst>
               <a:ext uri="{FF2B5EF4-FFF2-40B4-BE49-F238E27FC236}">
-                <a16:creationId xmlns:a16="http://schemas.microsoft.com/office/drawing/2014/main" id="{18D63AC1-2F85-F8A2-1998-21430B11DD38}"/>
+                <a16:creationId xmlns:a16="http://schemas.microsoft.com/office/drawing/2014/main" id="{021D0C71-2896-EE32-F4D6-8E11E87FE062}"/>
               </a:ext>
             </a:extLst>
           </p:cNvPr>
@@ -1949,7 +1949,7 @@
           <a:bodyPr/>
           <a:lstStyle/>
           <a:p>
-            <a:fld id="{035D07F4-3D78-4C3C-919F-4CC0CAA98CC6}" type="datetimeFigureOut">
+            <a:fld id="{F8F07A15-14B4-433C-B639-26E9113354D9}" type="datetimeFigureOut">
               <a:rPr lang="zh-CN" altLang="en-US" smtClean="0"/>
               <a:t>2024/3/10</a:t>
             </a:fld>
@@ -1962,7 +1962,7 @@
           <p:cNvPr id="4" name="页脚占位符 3">
             <a:extLst>
               <a:ext uri="{FF2B5EF4-FFF2-40B4-BE49-F238E27FC236}">
-                <a16:creationId xmlns:a16="http://schemas.microsoft.com/office/drawing/2014/main" id="{154B01B2-52F1-3084-1823-7C5BA0FBB602}"/>
+                <a16:creationId xmlns:a16="http://schemas.microsoft.com/office/drawing/2014/main" id="{00372FAB-92A0-7B2A-AB54-C0A60E8767AA}"/>
               </a:ext>
             </a:extLst>
           </p:cNvPr>
@@ -1987,7 +1987,7 @@
           <p:cNvPr id="5" name="灯片编号占位符 4">
             <a:extLst>
               <a:ext uri="{FF2B5EF4-FFF2-40B4-BE49-F238E27FC236}">
-                <a16:creationId xmlns:a16="http://schemas.microsoft.com/office/drawing/2014/main" id="{43137F5E-2CDD-8798-8370-BF30738CA30B}"/>
+                <a16:creationId xmlns:a16="http://schemas.microsoft.com/office/drawing/2014/main" id="{24286AB5-4DD3-9122-368F-F6E9EC0B499C}"/>
               </a:ext>
             </a:extLst>
           </p:cNvPr>
@@ -2003,7 +2003,7 @@
           <a:bodyPr/>
           <a:lstStyle/>
           <a:p>
-            <a:fld id="{95AB3159-02FF-4B98-91ED-A95E26592126}" type="slidenum">
+            <a:fld id="{08DB6517-5B78-410C-85A5-A35BC140E273}" type="slidenum">
               <a:rPr lang="zh-CN" altLang="en-US" smtClean="0"/>
               <a:t>‹#›</a:t>
             </a:fld>
@@ -2014,7 +2014,7 @@
     </p:spTree>
     <p:extLst>
       <p:ext uri="{BB962C8B-B14F-4D97-AF65-F5344CB8AC3E}">
-        <p14:creationId xmlns:p14="http://schemas.microsoft.com/office/powerpoint/2010/main" val="2266294102"/>
+        <p14:creationId xmlns:p14="http://schemas.microsoft.com/office/powerpoint/2010/main" val="3934225338"/>
       </p:ext>
     </p:extLst>
   </p:cSld>
@@ -2046,7 +2046,7 @@
           <p:cNvPr id="2" name="日期占位符 1">
             <a:extLst>
               <a:ext uri="{FF2B5EF4-FFF2-40B4-BE49-F238E27FC236}">
-                <a16:creationId xmlns:a16="http://schemas.microsoft.com/office/drawing/2014/main" id="{8EEDA4F8-4FCB-50A8-9C8F-84E1BD262C2A}"/>
+                <a16:creationId xmlns:a16="http://schemas.microsoft.com/office/drawing/2014/main" id="{ED72B843-538C-AEF4-9B01-2450F74A612A}"/>
               </a:ext>
             </a:extLst>
           </p:cNvPr>
@@ -2062,7 +2062,7 @@
           <a:bodyPr/>
           <a:lstStyle/>
           <a:p>
-            <a:fld id="{035D07F4-3D78-4C3C-919F-4CC0CAA98CC6}" type="datetimeFigureOut">
+            <a:fld id="{F8F07A15-14B4-433C-B639-26E9113354D9}" type="datetimeFigureOut">
               <a:rPr lang="zh-CN" altLang="en-US" smtClean="0"/>
               <a:t>2024/3/10</a:t>
             </a:fld>
@@ -2075,7 +2075,7 @@
           <p:cNvPr id="3" name="页脚占位符 2">
             <a:extLst>
               <a:ext uri="{FF2B5EF4-FFF2-40B4-BE49-F238E27FC236}">
-                <a16:creationId xmlns:a16="http://schemas.microsoft.com/office/drawing/2014/main" id="{56A66B04-CD25-99FD-745F-5EFE41BFBF5B}"/>
+                <a16:creationId xmlns:a16="http://schemas.microsoft.com/office/drawing/2014/main" id="{9656675F-DC30-1F3B-F3EB-63E55F7EA0BC}"/>
               </a:ext>
             </a:extLst>
           </p:cNvPr>
@@ -2100,7 +2100,7 @@
           <p:cNvPr id="4" name="灯片编号占位符 3">
             <a:extLst>
               <a:ext uri="{FF2B5EF4-FFF2-40B4-BE49-F238E27FC236}">
-                <a16:creationId xmlns:a16="http://schemas.microsoft.com/office/drawing/2014/main" id="{5A9D43BC-F9B9-5AD2-83B9-AA57015C5C31}"/>
+                <a16:creationId xmlns:a16="http://schemas.microsoft.com/office/drawing/2014/main" id="{F27BD141-4CF1-58D2-A861-95994B32065F}"/>
               </a:ext>
             </a:extLst>
           </p:cNvPr>
@@ -2116,7 +2116,7 @@
           <a:bodyPr/>
           <a:lstStyle/>
           <a:p>
-            <a:fld id="{95AB3159-02FF-4B98-91ED-A95E26592126}" type="slidenum">
+            <a:fld id="{08DB6517-5B78-410C-85A5-A35BC140E273}" type="slidenum">
               <a:rPr lang="zh-CN" altLang="en-US" smtClean="0"/>
               <a:t>‹#›</a:t>
             </a:fld>
@@ -2127,7 +2127,7 @@
     </p:spTree>
     <p:extLst>
       <p:ext uri="{BB962C8B-B14F-4D97-AF65-F5344CB8AC3E}">
-        <p14:creationId xmlns:p14="http://schemas.microsoft.com/office/powerpoint/2010/main" val="8829761"/>
+        <p14:creationId xmlns:p14="http://schemas.microsoft.com/office/powerpoint/2010/main" val="3886723439"/>
       </p:ext>
     </p:extLst>
   </p:cSld>
@@ -2159,7 +2159,7 @@
           <p:cNvPr id="2" name="标题 1">
             <a:extLst>
               <a:ext uri="{FF2B5EF4-FFF2-40B4-BE49-F238E27FC236}">
-                <a16:creationId xmlns:a16="http://schemas.microsoft.com/office/drawing/2014/main" id="{90924BF3-5349-FC90-90ED-2C0274AD29CF}"/>
+                <a16:creationId xmlns:a16="http://schemas.microsoft.com/office/drawing/2014/main" id="{A848761A-F85A-E3A9-4815-2878903F9941}"/>
               </a:ext>
             </a:extLst>
           </p:cNvPr>
@@ -2196,7 +2196,7 @@
           <p:cNvPr id="3" name="内容占位符 2">
             <a:extLst>
               <a:ext uri="{FF2B5EF4-FFF2-40B4-BE49-F238E27FC236}">
-                <a16:creationId xmlns:a16="http://schemas.microsoft.com/office/drawing/2014/main" id="{E0C9367C-805E-BF96-13F7-06B3FB90785D}"/>
+                <a16:creationId xmlns:a16="http://schemas.microsoft.com/office/drawing/2014/main" id="{A7BE355A-AA37-806E-F0C7-64CBB134C84E}"/>
               </a:ext>
             </a:extLst>
           </p:cNvPr>
@@ -2286,7 +2286,7 @@
           <p:cNvPr id="4" name="文本占位符 3">
             <a:extLst>
               <a:ext uri="{FF2B5EF4-FFF2-40B4-BE49-F238E27FC236}">
-                <a16:creationId xmlns:a16="http://schemas.microsoft.com/office/drawing/2014/main" id="{EDB3386A-3212-5D11-6B81-2C32DDB3602C}"/>
+                <a16:creationId xmlns:a16="http://schemas.microsoft.com/office/drawing/2014/main" id="{D1788233-405A-24CF-6929-A0833825B557}"/>
               </a:ext>
             </a:extLst>
           </p:cNvPr>
@@ -2357,7 +2357,7 @@
           <p:cNvPr id="5" name="日期占位符 4">
             <a:extLst>
               <a:ext uri="{FF2B5EF4-FFF2-40B4-BE49-F238E27FC236}">
-                <a16:creationId xmlns:a16="http://schemas.microsoft.com/office/drawing/2014/main" id="{97E2E984-E295-7117-31A6-0CAE67DB33E8}"/>
+                <a16:creationId xmlns:a16="http://schemas.microsoft.com/office/drawing/2014/main" id="{FFCD9228-7449-8C7D-9B10-0CCFF97AB679}"/>
               </a:ext>
             </a:extLst>
           </p:cNvPr>
@@ -2373,7 +2373,7 @@
           <a:bodyPr/>
           <a:lstStyle/>
           <a:p>
-            <a:fld id="{035D07F4-3D78-4C3C-919F-4CC0CAA98CC6}" type="datetimeFigureOut">
+            <a:fld id="{F8F07A15-14B4-433C-B639-26E9113354D9}" type="datetimeFigureOut">
               <a:rPr lang="zh-CN" altLang="en-US" smtClean="0"/>
               <a:t>2024/3/10</a:t>
             </a:fld>
@@ -2386,7 +2386,7 @@
           <p:cNvPr id="6" name="页脚占位符 5">
             <a:extLst>
               <a:ext uri="{FF2B5EF4-FFF2-40B4-BE49-F238E27FC236}">
-                <a16:creationId xmlns:a16="http://schemas.microsoft.com/office/drawing/2014/main" id="{E755CC7F-33DD-6E78-F76A-3D680712A72A}"/>
+                <a16:creationId xmlns:a16="http://schemas.microsoft.com/office/drawing/2014/main" id="{96598489-BB30-D0EB-EC25-308251128D20}"/>
               </a:ext>
             </a:extLst>
           </p:cNvPr>
@@ -2411,7 +2411,7 @@
           <p:cNvPr id="7" name="灯片编号占位符 6">
             <a:extLst>
               <a:ext uri="{FF2B5EF4-FFF2-40B4-BE49-F238E27FC236}">
-                <a16:creationId xmlns:a16="http://schemas.microsoft.com/office/drawing/2014/main" id="{ACE25E44-1E9C-B864-E015-44AE935908B4}"/>
+                <a16:creationId xmlns:a16="http://schemas.microsoft.com/office/drawing/2014/main" id="{E2168D6A-2864-EDB9-64AF-985EEB4E43A5}"/>
               </a:ext>
             </a:extLst>
           </p:cNvPr>
@@ -2427,7 +2427,7 @@
           <a:bodyPr/>
           <a:lstStyle/>
           <a:p>
-            <a:fld id="{95AB3159-02FF-4B98-91ED-A95E26592126}" type="slidenum">
+            <a:fld id="{08DB6517-5B78-410C-85A5-A35BC140E273}" type="slidenum">
               <a:rPr lang="zh-CN" altLang="en-US" smtClean="0"/>
               <a:t>‹#›</a:t>
             </a:fld>
@@ -2438,7 +2438,7 @@
     </p:spTree>
     <p:extLst>
       <p:ext uri="{BB962C8B-B14F-4D97-AF65-F5344CB8AC3E}">
-        <p14:creationId xmlns:p14="http://schemas.microsoft.com/office/powerpoint/2010/main" val="846114339"/>
+        <p14:creationId xmlns:p14="http://schemas.microsoft.com/office/powerpoint/2010/main" val="3267735956"/>
       </p:ext>
     </p:extLst>
   </p:cSld>
@@ -2470,7 +2470,7 @@
           <p:cNvPr id="2" name="标题 1">
             <a:extLst>
               <a:ext uri="{FF2B5EF4-FFF2-40B4-BE49-F238E27FC236}">
-                <a16:creationId xmlns:a16="http://schemas.microsoft.com/office/drawing/2014/main" id="{7228BB24-AFD9-0EFF-3E79-9C49269ADDAC}"/>
+                <a16:creationId xmlns:a16="http://schemas.microsoft.com/office/drawing/2014/main" id="{3623B47F-3035-5380-17D2-30255ACE1B15}"/>
               </a:ext>
             </a:extLst>
           </p:cNvPr>
@@ -2507,7 +2507,7 @@
           <p:cNvPr id="3" name="图片占位符 2">
             <a:extLst>
               <a:ext uri="{FF2B5EF4-FFF2-40B4-BE49-F238E27FC236}">
-                <a16:creationId xmlns:a16="http://schemas.microsoft.com/office/drawing/2014/main" id="{E0A1A4B9-BE21-1694-CD82-88AC16681CCF}"/>
+                <a16:creationId xmlns:a16="http://schemas.microsoft.com/office/drawing/2014/main" id="{772EE345-56E3-279C-DD76-64524603AF8F}"/>
               </a:ext>
             </a:extLst>
           </p:cNvPr>
@@ -2574,7 +2574,7 @@
           <p:cNvPr id="4" name="文本占位符 3">
             <a:extLst>
               <a:ext uri="{FF2B5EF4-FFF2-40B4-BE49-F238E27FC236}">
-                <a16:creationId xmlns:a16="http://schemas.microsoft.com/office/drawing/2014/main" id="{87FD5458-4CA8-27E6-FD1B-FAADEA450134}"/>
+                <a16:creationId xmlns:a16="http://schemas.microsoft.com/office/drawing/2014/main" id="{7D146D53-038E-F3DB-D405-D2A0D9DF502C}"/>
               </a:ext>
             </a:extLst>
           </p:cNvPr>
@@ -2645,7 +2645,7 @@
           <p:cNvPr id="5" name="日期占位符 4">
             <a:extLst>
               <a:ext uri="{FF2B5EF4-FFF2-40B4-BE49-F238E27FC236}">
-                <a16:creationId xmlns:a16="http://schemas.microsoft.com/office/drawing/2014/main" id="{600952CC-533B-447D-CD42-EFDE93BF8806}"/>
+                <a16:creationId xmlns:a16="http://schemas.microsoft.com/office/drawing/2014/main" id="{C621DE6D-857F-EB65-186E-35B410A0EF10}"/>
               </a:ext>
             </a:extLst>
           </p:cNvPr>
@@ -2661,7 +2661,7 @@
           <a:bodyPr/>
           <a:lstStyle/>
           <a:p>
-            <a:fld id="{035D07F4-3D78-4C3C-919F-4CC0CAA98CC6}" type="datetimeFigureOut">
+            <a:fld id="{F8F07A15-14B4-433C-B639-26E9113354D9}" type="datetimeFigureOut">
               <a:rPr lang="zh-CN" altLang="en-US" smtClean="0"/>
               <a:t>2024/3/10</a:t>
             </a:fld>
@@ -2674,7 +2674,7 @@
           <p:cNvPr id="6" name="页脚占位符 5">
             <a:extLst>
               <a:ext uri="{FF2B5EF4-FFF2-40B4-BE49-F238E27FC236}">
-                <a16:creationId xmlns:a16="http://schemas.microsoft.com/office/drawing/2014/main" id="{18255B32-4F98-02D4-3720-147278B98576}"/>
+                <a16:creationId xmlns:a16="http://schemas.microsoft.com/office/drawing/2014/main" id="{1CAB8C7C-4E68-08D2-2A86-2DDAA4BA0FB2}"/>
               </a:ext>
             </a:extLst>
           </p:cNvPr>
@@ -2699,7 +2699,7 @@
           <p:cNvPr id="7" name="灯片编号占位符 6">
             <a:extLst>
               <a:ext uri="{FF2B5EF4-FFF2-40B4-BE49-F238E27FC236}">
-                <a16:creationId xmlns:a16="http://schemas.microsoft.com/office/drawing/2014/main" id="{95788DD9-E1AC-5A0C-1640-72EB11E2BA0C}"/>
+                <a16:creationId xmlns:a16="http://schemas.microsoft.com/office/drawing/2014/main" id="{34FD4405-0765-71EA-401B-9CB44221EF15}"/>
               </a:ext>
             </a:extLst>
           </p:cNvPr>
@@ -2715,7 +2715,7 @@
           <a:bodyPr/>
           <a:lstStyle/>
           <a:p>
-            <a:fld id="{95AB3159-02FF-4B98-91ED-A95E26592126}" type="slidenum">
+            <a:fld id="{08DB6517-5B78-410C-85A5-A35BC140E273}" type="slidenum">
               <a:rPr lang="zh-CN" altLang="en-US" smtClean="0"/>
               <a:t>‹#›</a:t>
             </a:fld>
@@ -2726,7 +2726,7 @@
     </p:spTree>
     <p:extLst>
       <p:ext uri="{BB962C8B-B14F-4D97-AF65-F5344CB8AC3E}">
-        <p14:creationId xmlns:p14="http://schemas.microsoft.com/office/powerpoint/2010/main" val="955610137"/>
+        <p14:creationId xmlns:p14="http://schemas.microsoft.com/office/powerpoint/2010/main" val="136913632"/>
       </p:ext>
     </p:extLst>
   </p:cSld>
@@ -2763,7 +2763,7 @@
           <p:cNvPr id="2" name="标题占位符 1">
             <a:extLst>
               <a:ext uri="{FF2B5EF4-FFF2-40B4-BE49-F238E27FC236}">
-                <a16:creationId xmlns:a16="http://schemas.microsoft.com/office/drawing/2014/main" id="{A83ADF2A-0DF2-BC03-10C6-28D7FDC426E2}"/>
+                <a16:creationId xmlns:a16="http://schemas.microsoft.com/office/drawing/2014/main" id="{547E547B-050B-BFD5-C81B-F286C49CFCB6}"/>
               </a:ext>
             </a:extLst>
           </p:cNvPr>
@@ -2801,7 +2801,7 @@
           <p:cNvPr id="3" name="文本占位符 2">
             <a:extLst>
               <a:ext uri="{FF2B5EF4-FFF2-40B4-BE49-F238E27FC236}">
-                <a16:creationId xmlns:a16="http://schemas.microsoft.com/office/drawing/2014/main" id="{604FCA54-4AE5-9207-246E-B63D0DAE96AD}"/>
+                <a16:creationId xmlns:a16="http://schemas.microsoft.com/office/drawing/2014/main" id="{D5E14E69-3599-8777-B18C-54C07A57994B}"/>
               </a:ext>
             </a:extLst>
           </p:cNvPr>
@@ -2868,7 +2868,7 @@
           <p:cNvPr id="4" name="日期占位符 3">
             <a:extLst>
               <a:ext uri="{FF2B5EF4-FFF2-40B4-BE49-F238E27FC236}">
-                <a16:creationId xmlns:a16="http://schemas.microsoft.com/office/drawing/2014/main" id="{3F58104F-58F5-D65F-7B78-5D04543294F4}"/>
+                <a16:creationId xmlns:a16="http://schemas.microsoft.com/office/drawing/2014/main" id="{F2FA0318-25F3-1781-E924-73251EE216A8}"/>
               </a:ext>
             </a:extLst>
           </p:cNvPr>
@@ -2902,7 +2902,7 @@
             </a:lvl1pPr>
           </a:lstStyle>
           <a:p>
-            <a:fld id="{035D07F4-3D78-4C3C-919F-4CC0CAA98CC6}" type="datetimeFigureOut">
+            <a:fld id="{F8F07A15-14B4-433C-B639-26E9113354D9}" type="datetimeFigureOut">
               <a:rPr lang="zh-CN" altLang="en-US" smtClean="0"/>
               <a:t>2024/3/10</a:t>
             </a:fld>
@@ -2915,7 +2915,7 @@
           <p:cNvPr id="5" name="页脚占位符 4">
             <a:extLst>
               <a:ext uri="{FF2B5EF4-FFF2-40B4-BE49-F238E27FC236}">
-                <a16:creationId xmlns:a16="http://schemas.microsoft.com/office/drawing/2014/main" id="{9CFE3E5A-DF84-7D0E-DB06-66A587BE9FB8}"/>
+                <a16:creationId xmlns:a16="http://schemas.microsoft.com/office/drawing/2014/main" id="{8C4B2262-D7B6-F508-D52E-77CFFEA73F16}"/>
               </a:ext>
             </a:extLst>
           </p:cNvPr>
@@ -2958,7 +2958,7 @@
           <p:cNvPr id="6" name="灯片编号占位符 5">
             <a:extLst>
               <a:ext uri="{FF2B5EF4-FFF2-40B4-BE49-F238E27FC236}">
-                <a16:creationId xmlns:a16="http://schemas.microsoft.com/office/drawing/2014/main" id="{088ADE6B-11D3-2B19-870E-1D419AA3774E}"/>
+                <a16:creationId xmlns:a16="http://schemas.microsoft.com/office/drawing/2014/main" id="{595AF325-919D-5C8B-CA38-DB012F22188B}"/>
               </a:ext>
             </a:extLst>
           </p:cNvPr>
@@ -2992,7 +2992,7 @@
             </a:lvl1pPr>
           </a:lstStyle>
           <a:p>
-            <a:fld id="{95AB3159-02FF-4B98-91ED-A95E26592126}" type="slidenum">
+            <a:fld id="{08DB6517-5B78-410C-85A5-A35BC140E273}" type="slidenum">
               <a:rPr lang="zh-CN" altLang="en-US" smtClean="0"/>
               <a:t>‹#›</a:t>
             </a:fld>
@@ -3003,7 +3003,7 @@
     </p:spTree>
     <p:extLst>
       <p:ext uri="{BB962C8B-B14F-4D97-AF65-F5344CB8AC3E}">
-        <p14:creationId xmlns:p14="http://schemas.microsoft.com/office/powerpoint/2010/main" val="1827586539"/>
+        <p14:creationId xmlns:p14="http://schemas.microsoft.com/office/powerpoint/2010/main" val="3700564930"/>
       </p:ext>
     </p:extLst>
   </p:cSld>
